--- a/Best place to invest.pptx
+++ b/Best place to invest.pptx
@@ -2167,8 +2167,11 @@
         <a:bodyPr/>
         <a:lstStyle/>
         <a:p>
-          <a:pPr algn="l"/>
-          <a:endParaRPr lang="en-US" sz="1400" i="0" baseline="0" dirty="0"/>
+          <a:pPr algn="ctr"/>
+          <a:r>
+            <a:rPr lang="en-US" sz="2000" i="0" baseline="0" dirty="0"/>
+            <a:t>If we had more time, we would consider:</a:t>
+          </a:r>
         </a:p>
       </dgm:t>
     </dgm:pt>
@@ -2203,7 +2206,7 @@
         <a:p>
           <a:r>
             <a:rPr lang="en-US" sz="2000" i="0" baseline="0" dirty="0"/>
-            <a:t>WV has the highest rental income per home price among 50 states</a:t>
+            <a:t>WV has the highest and MT has the lowest rental income percentage compared to home price among 50 states</a:t>
           </a:r>
           <a:endParaRPr lang="en-US" sz="2000" i="0" dirty="0"/>
         </a:p>
@@ -2455,6 +2458,154 @@
         </a:p>
       </dgm:t>
     </dgm:pt>
+    <dgm:pt modelId="{069EA826-3827-48B9-A0E1-7ED727E464A7}">
+      <dgm:prSet custT="1"/>
+      <dgm:spPr/>
+      <dgm:t>
+        <a:bodyPr/>
+        <a:lstStyle/>
+        <a:p>
+          <a:pPr algn="ctr"/>
+          <a:r>
+            <a:rPr lang="en-US" sz="2000" i="0" baseline="0" dirty="0"/>
+            <a:t>Crime rate</a:t>
+          </a:r>
+        </a:p>
+      </dgm:t>
+    </dgm:pt>
+    <dgm:pt modelId="{5A5DEEF1-DB3D-4836-973B-B6392132A6BC}" type="parTrans" cxnId="{A5B73D69-5811-4EEB-AEC8-02055E94FD8A}">
+      <dgm:prSet/>
+      <dgm:spPr/>
+      <dgm:t>
+        <a:bodyPr/>
+        <a:lstStyle/>
+        <a:p>
+          <a:endParaRPr lang="en-US"/>
+        </a:p>
+      </dgm:t>
+    </dgm:pt>
+    <dgm:pt modelId="{F24D8228-94E0-4E09-B56B-3B6A38F9F5CF}" type="sibTrans" cxnId="{A5B73D69-5811-4EEB-AEC8-02055E94FD8A}">
+      <dgm:prSet/>
+      <dgm:spPr/>
+      <dgm:t>
+        <a:bodyPr/>
+        <a:lstStyle/>
+        <a:p>
+          <a:endParaRPr lang="en-US"/>
+        </a:p>
+      </dgm:t>
+    </dgm:pt>
+    <dgm:pt modelId="{0CAF7844-9DF8-465B-BB1F-98BAA3151648}">
+      <dgm:prSet custT="1"/>
+      <dgm:spPr/>
+      <dgm:t>
+        <a:bodyPr/>
+        <a:lstStyle/>
+        <a:p>
+          <a:pPr algn="ctr"/>
+          <a:r>
+            <a:rPr lang="en-US" sz="2000" i="0" baseline="0" dirty="0"/>
+            <a:t>Job growth</a:t>
+          </a:r>
+        </a:p>
+      </dgm:t>
+    </dgm:pt>
+    <dgm:pt modelId="{4A17C444-0A1E-4A03-8A7A-DAF05CFE91DD}" type="parTrans" cxnId="{CAC76672-B0DC-4C56-9F90-0C8782D9AAC6}">
+      <dgm:prSet/>
+      <dgm:spPr/>
+      <dgm:t>
+        <a:bodyPr/>
+        <a:lstStyle/>
+        <a:p>
+          <a:endParaRPr lang="en-US"/>
+        </a:p>
+      </dgm:t>
+    </dgm:pt>
+    <dgm:pt modelId="{4240A4EA-03C0-4557-931A-DC7F3E7799FB}" type="sibTrans" cxnId="{CAC76672-B0DC-4C56-9F90-0C8782D9AAC6}">
+      <dgm:prSet/>
+      <dgm:spPr/>
+      <dgm:t>
+        <a:bodyPr/>
+        <a:lstStyle/>
+        <a:p>
+          <a:endParaRPr lang="en-US"/>
+        </a:p>
+      </dgm:t>
+    </dgm:pt>
+    <dgm:pt modelId="{5F195C30-73EA-4B55-8076-3D1F529EBB5D}">
+      <dgm:prSet custT="1"/>
+      <dgm:spPr/>
+      <dgm:t>
+        <a:bodyPr/>
+        <a:lstStyle/>
+        <a:p>
+          <a:pPr algn="ctr"/>
+          <a:r>
+            <a:rPr lang="en-US" sz="2000" i="0" baseline="0" dirty="0"/>
+            <a:t>School quality</a:t>
+          </a:r>
+        </a:p>
+      </dgm:t>
+    </dgm:pt>
+    <dgm:pt modelId="{AEE69765-4993-41E0-882A-3619454B55BF}" type="parTrans" cxnId="{AE1D5C24-7CD0-429A-A60B-0CA6CCCAF5A9}">
+      <dgm:prSet/>
+      <dgm:spPr/>
+      <dgm:t>
+        <a:bodyPr/>
+        <a:lstStyle/>
+        <a:p>
+          <a:endParaRPr lang="en-US"/>
+        </a:p>
+      </dgm:t>
+    </dgm:pt>
+    <dgm:pt modelId="{84957D99-8BBE-4C94-9C1B-376BA49A1746}" type="sibTrans" cxnId="{AE1D5C24-7CD0-429A-A60B-0CA6CCCAF5A9}">
+      <dgm:prSet/>
+      <dgm:spPr/>
+      <dgm:t>
+        <a:bodyPr/>
+        <a:lstStyle/>
+        <a:p>
+          <a:endParaRPr lang="en-US"/>
+        </a:p>
+      </dgm:t>
+    </dgm:pt>
+    <dgm:pt modelId="{8175EEC9-CAB3-474F-9EF5-8F792E16E24D}">
+      <dgm:prSet custT="1"/>
+      <dgm:spPr/>
+      <dgm:t>
+        <a:bodyPr/>
+        <a:lstStyle/>
+        <a:p>
+          <a:pPr algn="ctr"/>
+          <a:r>
+            <a:rPr lang="en-US" sz="2000" i="0" baseline="0" dirty="0"/>
+            <a:t>Average Income</a:t>
+          </a:r>
+        </a:p>
+      </dgm:t>
+    </dgm:pt>
+    <dgm:pt modelId="{3D51856B-617A-41E8-BB1B-67DBB5AFB354}" type="parTrans" cxnId="{4259B53F-54E0-489C-A077-B3DD7DC84A45}">
+      <dgm:prSet/>
+      <dgm:spPr/>
+      <dgm:t>
+        <a:bodyPr/>
+        <a:lstStyle/>
+        <a:p>
+          <a:endParaRPr lang="en-US"/>
+        </a:p>
+      </dgm:t>
+    </dgm:pt>
+    <dgm:pt modelId="{27BE9FC7-9CEE-4584-80BF-F569501AB842}" type="sibTrans" cxnId="{4259B53F-54E0-489C-A077-B3DD7DC84A45}">
+      <dgm:prSet/>
+      <dgm:spPr/>
+      <dgm:t>
+        <a:bodyPr/>
+        <a:lstStyle/>
+        <a:p>
+          <a:endParaRPr lang="en-US"/>
+        </a:p>
+      </dgm:t>
+    </dgm:pt>
     <dgm:pt modelId="{EF17362D-E641-40BA-92BE-0F009E5DE638}" type="pres">
       <dgm:prSet presAssocID="{D8183D16-D21E-4F84-A87D-24227A4D8D1B}" presName="composite" presStyleCnt="0">
         <dgm:presLayoutVars>
@@ -2474,7 +2625,7 @@
       <dgm:spPr/>
     </dgm:pt>
     <dgm:pt modelId="{52A25CDB-13A8-4FBA-97B9-7F846B7C1B5F}" type="pres">
-      <dgm:prSet presAssocID="{13C969E4-9B34-48EC-BAB8-39C4861E9C3B}" presName="pillar1" presStyleLbl="node1" presStyleIdx="0" presStyleCnt="2">
+      <dgm:prSet presAssocID="{13C969E4-9B34-48EC-BAB8-39C4861E9C3B}" presName="pillar1" presStyleLbl="node1" presStyleIdx="0" presStyleCnt="3">
         <dgm:presLayoutVars>
           <dgm:bulletEnabled val="1"/>
         </dgm:presLayoutVars>
@@ -2482,7 +2633,15 @@
       <dgm:spPr/>
     </dgm:pt>
     <dgm:pt modelId="{D467C135-B593-4C9C-A578-04BCF9984F3B}" type="pres">
-      <dgm:prSet presAssocID="{3A899458-DA49-40E5-8F64-139938168D8B}" presName="pillarX" presStyleLbl="node1" presStyleIdx="1" presStyleCnt="2" custLinFactNeighborX="-38" custLinFactNeighborY="0">
+      <dgm:prSet presAssocID="{3A899458-DA49-40E5-8F64-139938168D8B}" presName="pillarX" presStyleLbl="node1" presStyleIdx="1" presStyleCnt="3" custLinFactNeighborX="-38" custLinFactNeighborY="0">
+        <dgm:presLayoutVars>
+          <dgm:bulletEnabled val="1"/>
+        </dgm:presLayoutVars>
+      </dgm:prSet>
+      <dgm:spPr/>
+    </dgm:pt>
+    <dgm:pt modelId="{027EFF96-1B19-45A5-8D55-4AA7A043E277}" type="pres">
+      <dgm:prSet presAssocID="{A2604CBD-CB28-44FD-A601-86C30CDA5EFC}" presName="pillarX" presStyleLbl="node1" presStyleIdx="2" presStyleCnt="3">
         <dgm:presLayoutVars>
           <dgm:bulletEnabled val="1"/>
         </dgm:presLayoutVars>
@@ -2495,18 +2654,27 @@
     </dgm:pt>
   </dgm:ptLst>
   <dgm:cxnLst>
+    <dgm:cxn modelId="{A3163910-319B-455B-AEEB-8878169D5CD1}" type="presOf" srcId="{069EA826-3827-48B9-A0E1-7ED727E464A7}" destId="{027EFF96-1B19-45A5-8D55-4AA7A043E277}" srcOrd="0" destOrd="1" presId="urn:microsoft.com/office/officeart/2005/8/layout/hList3"/>
     <dgm:cxn modelId="{FA2BBB12-37A6-41B6-8CA9-B023D7FF1054}" type="presOf" srcId="{13C969E4-9B34-48EC-BAB8-39C4861E9C3B}" destId="{B6935BF0-E6CE-413F-9EFA-15B610D1DF0F}" srcOrd="0" destOrd="0" presId="urn:microsoft.com/office/officeart/2005/8/layout/hList3"/>
-    <dgm:cxn modelId="{BB63C01D-BB18-44CB-89D6-CAD3A9A4A5F0}" srcId="{D8183D16-D21E-4F84-A87D-24227A4D8D1B}" destId="{A2604CBD-CB28-44FD-A601-86C30CDA5EFC}" srcOrd="1" destOrd="0" parTransId="{7C7BD814-E5DA-4101-B2DC-5799C1E6F664}" sibTransId="{9EBE71BD-D05C-4145-8322-77F43057FFEB}"/>
+    <dgm:cxn modelId="{2AE8511D-8CDF-42F1-9D17-D328226D90B3}" type="presOf" srcId="{0CAF7844-9DF8-465B-BB1F-98BAA3151648}" destId="{027EFF96-1B19-45A5-8D55-4AA7A043E277}" srcOrd="0" destOrd="2" presId="urn:microsoft.com/office/officeart/2005/8/layout/hList3"/>
+    <dgm:cxn modelId="{BB63C01D-BB18-44CB-89D6-CAD3A9A4A5F0}" srcId="{13C969E4-9B34-48EC-BAB8-39C4861E9C3B}" destId="{A2604CBD-CB28-44FD-A601-86C30CDA5EFC}" srcOrd="2" destOrd="0" parTransId="{7C7BD814-E5DA-4101-B2DC-5799C1E6F664}" sibTransId="{9EBE71BD-D05C-4145-8322-77F43057FFEB}"/>
+    <dgm:cxn modelId="{AE1D5C24-7CD0-429A-A60B-0CA6CCCAF5A9}" srcId="{A2604CBD-CB28-44FD-A601-86C30CDA5EFC}" destId="{5F195C30-73EA-4B55-8076-3D1F529EBB5D}" srcOrd="2" destOrd="0" parTransId="{AEE69765-4993-41E0-882A-3619454B55BF}" sibTransId="{84957D99-8BBE-4C94-9C1B-376BA49A1746}"/>
     <dgm:cxn modelId="{F01CF727-BE24-497C-ABE4-B957C7F5CEFD}" srcId="{3A899458-DA49-40E5-8F64-139938168D8B}" destId="{37F50358-56C2-4DFF-9DD7-C0A111689C88}" srcOrd="3" destOrd="0" parTransId="{E2C76F9E-C257-4D6E-B05C-F36657973F51}" sibTransId="{BD4BCE0E-11F1-40D3-9F6C-CB4F1EE21462}"/>
+    <dgm:cxn modelId="{E5DA662C-37F8-4F3E-B0E5-BE547EE4E47F}" type="presOf" srcId="{5F195C30-73EA-4B55-8076-3D1F529EBB5D}" destId="{027EFF96-1B19-45A5-8D55-4AA7A043E277}" srcOrd="0" destOrd="3" presId="urn:microsoft.com/office/officeart/2005/8/layout/hList3"/>
     <dgm:cxn modelId="{216D1233-896B-4F1F-98E4-9F9CC65FCF7A}" srcId="{3A899458-DA49-40E5-8F64-139938168D8B}" destId="{40660CED-788B-43EE-A717-A8D7A6E8A7A2}" srcOrd="0" destOrd="0" parTransId="{4CA60D78-DAC2-40EE-BB83-CF0D0DAD4C9A}" sibTransId="{FDE68F87-2FF2-4C15-A1D6-945BF2F58D81}"/>
+    <dgm:cxn modelId="{241B5635-C40C-43DA-8074-DFF5EC3FC644}" type="presOf" srcId="{8175EEC9-CAB3-474F-9EF5-8F792E16E24D}" destId="{027EFF96-1B19-45A5-8D55-4AA7A043E277}" srcOrd="0" destOrd="4" presId="urn:microsoft.com/office/officeart/2005/8/layout/hList3"/>
+    <dgm:cxn modelId="{4259B53F-54E0-489C-A077-B3DD7DC84A45}" srcId="{A2604CBD-CB28-44FD-A601-86C30CDA5EFC}" destId="{8175EEC9-CAB3-474F-9EF5-8F792E16E24D}" srcOrd="3" destOrd="0" parTransId="{3D51856B-617A-41E8-BB1B-67DBB5AFB354}" sibTransId="{27BE9FC7-9CEE-4584-80BF-F569501AB842}"/>
     <dgm:cxn modelId="{E8C4FD5D-359C-409D-862D-D3B592144050}" srcId="{3A899458-DA49-40E5-8F64-139938168D8B}" destId="{0CA7F4C0-1B18-4097-A602-174C83D34AEB}" srcOrd="4" destOrd="0" parTransId="{625B1F8C-B8B7-46BF-995A-DB1EEEC9AD34}" sibTransId="{056D1E6B-050F-4F98-9E5C-C9D5DA45D37B}"/>
     <dgm:cxn modelId="{F6572247-99BC-4EAB-B5A0-10D7B1ED2887}" type="presOf" srcId="{B5F7754E-15E4-4BBB-B854-4FD0A03E6643}" destId="{D467C135-B593-4C9C-A578-04BCF9984F3B}" srcOrd="0" destOrd="2" presId="urn:microsoft.com/office/officeart/2005/8/layout/hList3"/>
+    <dgm:cxn modelId="{A5B73D69-5811-4EEB-AEC8-02055E94FD8A}" srcId="{A2604CBD-CB28-44FD-A601-86C30CDA5EFC}" destId="{069EA826-3827-48B9-A0E1-7ED727E464A7}" srcOrd="0" destOrd="0" parTransId="{5A5DEEF1-DB3D-4836-973B-B6392132A6BC}" sibTransId="{F24D8228-94E0-4E09-B56B-3B6A38F9F5CF}"/>
+    <dgm:cxn modelId="{CAC76672-B0DC-4C56-9F90-0C8782D9AAC6}" srcId="{A2604CBD-CB28-44FD-A601-86C30CDA5EFC}" destId="{0CAF7844-9DF8-465B-BB1F-98BAA3151648}" srcOrd="1" destOrd="0" parTransId="{4A17C444-0A1E-4A03-8A7A-DAF05CFE91DD}" sibTransId="{4240A4EA-03C0-4557-931A-DC7F3E7799FB}"/>
     <dgm:cxn modelId="{957C1358-E63B-4348-AF46-278B94135757}" srcId="{3A899458-DA49-40E5-8F64-139938168D8B}" destId="{F222E429-ECA6-452A-B0A9-CD515AA804C0}" srcOrd="2" destOrd="0" parTransId="{67D6B79C-8BB4-492A-A905-1D84062ED376}" sibTransId="{F61DC602-6D24-4661-8895-7F36E4A84074}"/>
     <dgm:cxn modelId="{285D387A-1501-40CF-B38F-D24F2DB84F25}" type="presOf" srcId="{6743503E-4780-43E6-9007-5D65590B31A3}" destId="{52A25CDB-13A8-4FBA-97B9-7F846B7C1B5F}" srcOrd="0" destOrd="0" presId="urn:microsoft.com/office/officeart/2005/8/layout/hList3"/>
     <dgm:cxn modelId="{B887CA7E-642D-44A0-9794-5701F0FFF80C}" type="presOf" srcId="{40660CED-788B-43EE-A717-A8D7A6E8A7A2}" destId="{D467C135-B593-4C9C-A578-04BCF9984F3B}" srcOrd="0" destOrd="1" presId="urn:microsoft.com/office/officeart/2005/8/layout/hList3"/>
     <dgm:cxn modelId="{0F4DC684-F09C-45BC-8453-E99E0DF26EC9}" srcId="{3A899458-DA49-40E5-8F64-139938168D8B}" destId="{B5F7754E-15E4-4BBB-B854-4FD0A03E6643}" srcOrd="1" destOrd="0" parTransId="{E96F7C3C-F7C8-4BE8-9B98-D791153D0B06}" sibTransId="{B9100120-0CE4-4333-A7E7-AE10A14AB8AC}"/>
     <dgm:cxn modelId="{66A13188-D50B-4C41-B205-14F2AC254366}" srcId="{13C969E4-9B34-48EC-BAB8-39C4861E9C3B}" destId="{3A899458-DA49-40E5-8F64-139938168D8B}" srcOrd="1" destOrd="0" parTransId="{20131D1B-8C55-4595-AA41-F538C9C8E2A8}" sibTransId="{26B18655-447E-4827-8D86-6B00E731D983}"/>
     <dgm:cxn modelId="{C999BC88-2270-4219-BDB8-3E8AD47B3D01}" type="presOf" srcId="{0CA7F4C0-1B18-4097-A602-174C83D34AEB}" destId="{D467C135-B593-4C9C-A578-04BCF9984F3B}" srcOrd="0" destOrd="5" presId="urn:microsoft.com/office/officeart/2005/8/layout/hList3"/>
+    <dgm:cxn modelId="{2B47B189-2BA6-471C-9D3B-6A7FCD8D2257}" type="presOf" srcId="{A2604CBD-CB28-44FD-A601-86C30CDA5EFC}" destId="{027EFF96-1B19-45A5-8D55-4AA7A043E277}" srcOrd="0" destOrd="0" presId="urn:microsoft.com/office/officeart/2005/8/layout/hList3"/>
     <dgm:cxn modelId="{EE7F228D-92B5-4A91-BC13-3B9654C190C3}" type="presOf" srcId="{F222E429-ECA6-452A-B0A9-CD515AA804C0}" destId="{D467C135-B593-4C9C-A578-04BCF9984F3B}" srcOrd="0" destOrd="3" presId="urn:microsoft.com/office/officeart/2005/8/layout/hList3"/>
     <dgm:cxn modelId="{9A68E6AE-A3C3-4FC5-8913-7A58A959A840}" srcId="{13C969E4-9B34-48EC-BAB8-39C4861E9C3B}" destId="{6743503E-4780-43E6-9007-5D65590B31A3}" srcOrd="0" destOrd="0" parTransId="{F660C52C-8994-4EC4-9BB0-FB403D4582E8}" sibTransId="{FFD0519C-09D4-4FE1-80CD-2A4278A982FF}"/>
     <dgm:cxn modelId="{5A3176B0-69D9-43F7-9999-3882D412A302}" srcId="{D8183D16-D21E-4F84-A87D-24227A4D8D1B}" destId="{13C969E4-9B34-48EC-BAB8-39C4861E9C3B}" srcOrd="0" destOrd="0" parTransId="{CD61E098-5945-487E-89AE-607580C127D8}" sibTransId="{7684A132-BD7C-4450-BE6E-CC73711166E2}"/>
@@ -2517,6 +2685,7 @@
     <dgm:cxn modelId="{476E8724-4F11-4048-86DD-0C4C4C75BDB9}" type="presParOf" srcId="{EF17362D-E641-40BA-92BE-0F009E5DE638}" destId="{AFA789A7-0B63-481B-AB75-BF0132E645EB}" srcOrd="1" destOrd="0" presId="urn:microsoft.com/office/officeart/2005/8/layout/hList3"/>
     <dgm:cxn modelId="{68A6C28E-8490-4FF2-B0D2-F8389AABECAD}" type="presParOf" srcId="{AFA789A7-0B63-481B-AB75-BF0132E645EB}" destId="{52A25CDB-13A8-4FBA-97B9-7F846B7C1B5F}" srcOrd="0" destOrd="0" presId="urn:microsoft.com/office/officeart/2005/8/layout/hList3"/>
     <dgm:cxn modelId="{7039F746-3A4C-4F69-B401-8BF274B99992}" type="presParOf" srcId="{AFA789A7-0B63-481B-AB75-BF0132E645EB}" destId="{D467C135-B593-4C9C-A578-04BCF9984F3B}" srcOrd="1" destOrd="0" presId="urn:microsoft.com/office/officeart/2005/8/layout/hList3"/>
+    <dgm:cxn modelId="{2D26BFC2-3C01-4F53-92A0-92FC9778E2B7}" type="presParOf" srcId="{AFA789A7-0B63-481B-AB75-BF0132E645EB}" destId="{027EFF96-1B19-45A5-8D55-4AA7A043E277}" srcOrd="2" destOrd="0" presId="urn:microsoft.com/office/officeart/2005/8/layout/hList3"/>
     <dgm:cxn modelId="{55CF3F0C-1100-430A-A071-9FEFD56F66FD}" type="presParOf" srcId="{EF17362D-E641-40BA-92BE-0F009E5DE638}" destId="{432ACC28-97D7-459E-9DE3-0F30F2653361}" srcOrd="2" destOrd="0" presId="urn:microsoft.com/office/officeart/2005/8/layout/hList3"/>
   </dgm:cxnLst>
   <dgm:bg/>
@@ -3165,8 +3334,8 @@
       </dsp:nvSpPr>
       <dsp:spPr>
         <a:xfrm>
-          <a:off x="0" y="1151049"/>
-          <a:ext cx="4645607" cy="2417204"/>
+          <a:off x="4536" y="1151049"/>
+          <a:ext cx="3094047" cy="2417204"/>
         </a:xfrm>
         <a:prstGeom prst="rect">
           <a:avLst/>
@@ -3246,14 +3415,14 @@
           </a:pPr>
           <a:r>
             <a:rPr lang="en-US" sz="2000" i="0" kern="1200" baseline="0" dirty="0"/>
-            <a:t>WV has the highest rental income per home price among 50 states</a:t>
+            <a:t>WV has the highest and MT has the lowest rental income percentage compared to home price among 50 states</a:t>
           </a:r>
           <a:endParaRPr lang="en-US" sz="2000" i="0" kern="1200" dirty="0"/>
         </a:p>
       </dsp:txBody>
       <dsp:txXfrm>
-        <a:off x="0" y="1151049"/>
-        <a:ext cx="4645607" cy="2417204"/>
+        <a:off x="4536" y="1151049"/>
+        <a:ext cx="3094047" cy="2417204"/>
       </dsp:txXfrm>
     </dsp:sp>
     <dsp:sp modelId="{D467C135-B593-4C9C-A578-04BCF9984F3B}">
@@ -3263,8 +3432,8 @@
       </dsp:nvSpPr>
       <dsp:spPr>
         <a:xfrm>
-          <a:off x="4643842" y="1151049"/>
-          <a:ext cx="4645607" cy="2417204"/>
+          <a:off x="3097408" y="1151049"/>
+          <a:ext cx="3094047" cy="2417204"/>
         </a:xfrm>
         <a:prstGeom prst="rect">
           <a:avLst/>
@@ -3441,8 +3610,177 @@
         </a:p>
       </dsp:txBody>
       <dsp:txXfrm>
-        <a:off x="4643842" y="1151049"/>
-        <a:ext cx="4645607" cy="2417204"/>
+        <a:off x="3097408" y="1151049"/>
+        <a:ext cx="3094047" cy="2417204"/>
+      </dsp:txXfrm>
+    </dsp:sp>
+    <dsp:sp modelId="{027EFF96-1B19-45A5-8D55-4AA7A043E277}">
+      <dsp:nvSpPr>
+        <dsp:cNvPr id="0" name=""/>
+        <dsp:cNvSpPr/>
+      </dsp:nvSpPr>
+      <dsp:spPr>
+        <a:xfrm>
+          <a:off x="6192631" y="1151049"/>
+          <a:ext cx="3094047" cy="2417204"/>
+        </a:xfrm>
+        <a:prstGeom prst="rect">
+          <a:avLst/>
+        </a:prstGeom>
+        <a:gradFill rotWithShape="0">
+          <a:gsLst>
+            <a:gs pos="0">
+              <a:schemeClr val="accent1">
+                <a:hueOff val="0"/>
+                <a:satOff val="0"/>
+                <a:lumOff val="0"/>
+                <a:alphaOff val="0"/>
+                <a:tint val="54000"/>
+                <a:alpha val="100000"/>
+                <a:satMod val="105000"/>
+                <a:lumMod val="110000"/>
+              </a:schemeClr>
+            </a:gs>
+            <a:gs pos="100000">
+              <a:schemeClr val="accent1">
+                <a:hueOff val="0"/>
+                <a:satOff val="0"/>
+                <a:lumOff val="0"/>
+                <a:alphaOff val="0"/>
+                <a:tint val="78000"/>
+                <a:alpha val="92000"/>
+                <a:satMod val="109000"/>
+                <a:lumMod val="100000"/>
+              </a:schemeClr>
+            </a:gs>
+          </a:gsLst>
+          <a:lin ang="5400000" scaled="0"/>
+        </a:gradFill>
+        <a:ln>
+          <a:noFill/>
+        </a:ln>
+        <a:effectLst/>
+        <a:scene3d>
+          <a:camera prst="orthographicFront"/>
+          <a:lightRig rig="flat" dir="t"/>
+        </a:scene3d>
+        <a:sp3d prstMaterial="dkEdge">
+          <a:bevelT w="8200" h="38100"/>
+        </a:sp3d>
+      </dsp:spPr>
+      <dsp:style>
+        <a:lnRef idx="0">
+          <a:scrgbClr r="0" g="0" b="0"/>
+        </a:lnRef>
+        <a:fillRef idx="2">
+          <a:scrgbClr r="0" g="0" b="0"/>
+        </a:fillRef>
+        <a:effectRef idx="1">
+          <a:scrgbClr r="0" g="0" b="0"/>
+        </a:effectRef>
+        <a:fontRef idx="minor">
+          <a:schemeClr val="dk1"/>
+        </a:fontRef>
+      </dsp:style>
+      <dsp:txBody>
+        <a:bodyPr spcFirstLastPara="0" vert="horz" wrap="square" lIns="76200" tIns="76200" rIns="76200" bIns="76200" numCol="1" spcCol="1270" anchor="t" anchorCtr="0">
+          <a:noAutofit/>
+        </a:bodyPr>
+        <a:lstStyle/>
+        <a:p>
+          <a:pPr marL="0" lvl="0" indent="0" algn="ctr" defTabSz="889000">
+            <a:lnSpc>
+              <a:spcPct val="90000"/>
+            </a:lnSpc>
+            <a:spcBef>
+              <a:spcPct val="0"/>
+            </a:spcBef>
+            <a:spcAft>
+              <a:spcPct val="35000"/>
+            </a:spcAft>
+            <a:buNone/>
+          </a:pPr>
+          <a:r>
+            <a:rPr lang="en-US" sz="2000" i="0" kern="1200" baseline="0" dirty="0"/>
+            <a:t>If we had more time, we would consider:</a:t>
+          </a:r>
+        </a:p>
+        <a:p>
+          <a:pPr marL="228600" lvl="1" indent="-228600" algn="ctr" defTabSz="889000">
+            <a:lnSpc>
+              <a:spcPct val="90000"/>
+            </a:lnSpc>
+            <a:spcBef>
+              <a:spcPct val="0"/>
+            </a:spcBef>
+            <a:spcAft>
+              <a:spcPct val="15000"/>
+            </a:spcAft>
+            <a:buChar char="•"/>
+          </a:pPr>
+          <a:r>
+            <a:rPr lang="en-US" sz="2000" i="0" kern="1200" baseline="0" dirty="0"/>
+            <a:t>Crime rate</a:t>
+          </a:r>
+        </a:p>
+        <a:p>
+          <a:pPr marL="228600" lvl="1" indent="-228600" algn="ctr" defTabSz="889000">
+            <a:lnSpc>
+              <a:spcPct val="90000"/>
+            </a:lnSpc>
+            <a:spcBef>
+              <a:spcPct val="0"/>
+            </a:spcBef>
+            <a:spcAft>
+              <a:spcPct val="15000"/>
+            </a:spcAft>
+            <a:buChar char="•"/>
+          </a:pPr>
+          <a:r>
+            <a:rPr lang="en-US" sz="2000" i="0" kern="1200" baseline="0" dirty="0"/>
+            <a:t>Job growth</a:t>
+          </a:r>
+        </a:p>
+        <a:p>
+          <a:pPr marL="228600" lvl="1" indent="-228600" algn="ctr" defTabSz="889000">
+            <a:lnSpc>
+              <a:spcPct val="90000"/>
+            </a:lnSpc>
+            <a:spcBef>
+              <a:spcPct val="0"/>
+            </a:spcBef>
+            <a:spcAft>
+              <a:spcPct val="15000"/>
+            </a:spcAft>
+            <a:buChar char="•"/>
+          </a:pPr>
+          <a:r>
+            <a:rPr lang="en-US" sz="2000" i="0" kern="1200" baseline="0" dirty="0"/>
+            <a:t>School quality</a:t>
+          </a:r>
+        </a:p>
+        <a:p>
+          <a:pPr marL="228600" lvl="1" indent="-228600" algn="ctr" defTabSz="889000">
+            <a:lnSpc>
+              <a:spcPct val="90000"/>
+            </a:lnSpc>
+            <a:spcBef>
+              <a:spcPct val="0"/>
+            </a:spcBef>
+            <a:spcAft>
+              <a:spcPct val="15000"/>
+            </a:spcAft>
+            <a:buChar char="•"/>
+          </a:pPr>
+          <a:r>
+            <a:rPr lang="en-US" sz="2000" i="0" kern="1200" baseline="0" dirty="0"/>
+            <a:t>Average Income</a:t>
+          </a:r>
+        </a:p>
+      </dsp:txBody>
+      <dsp:txXfrm>
+        <a:off x="6192631" y="1151049"/>
+        <a:ext cx="3094047" cy="2417204"/>
       </dsp:txXfrm>
     </dsp:sp>
     <dsp:sp modelId="{432ACC28-97D7-459E-9DE3-0F30F2653361}">
@@ -9789,7 +10127,7 @@
             <p:ph idx="1"/>
             <p:extLst>
               <p:ext uri="{D42A27DB-BD31-4B8C-83A1-F6EECF244321}">
-                <p14:modId xmlns:p14="http://schemas.microsoft.com/office/powerpoint/2010/main" val="1180773912"/>
+                <p14:modId xmlns:p14="http://schemas.microsoft.com/office/powerpoint/2010/main" val="4260440761"/>
               </p:ext>
             </p:extLst>
           </p:nvPr>
@@ -11051,8 +11389,8 @@
         </p:blipFill>
         <p:spPr bwMode="auto">
           <a:xfrm>
-            <a:off x="2444225" y="1676995"/>
-            <a:ext cx="6778934" cy="3767252"/>
+            <a:off x="1345865" y="1285109"/>
+            <a:ext cx="9255737" cy="5143684"/>
           </a:xfrm>
           <a:prstGeom prst="roundRect">
             <a:avLst>
